--- a/lesson_6/6주차실습.pptx
+++ b/lesson_6/6주차실습.pptx
@@ -4910,7 +4910,7 @@
     <mc:Choice Requires="p14">
       <p:transition/>
     </mc:Choice>
-    <mc:Fallback xmlns:dsp="http://schemas.microsoft.com/office/drawing/2008/diagram" xmlns:dgm="http://schemas.openxmlformats.org/drawingml/2006/diagram" xmlns:c="http://schemas.openxmlformats.org/drawingml/2006/chart" xmlns="">
+    <mc:Fallback xmlns="" xmlns:c="http://schemas.openxmlformats.org/drawingml/2006/chart" xmlns:dgm="http://schemas.openxmlformats.org/drawingml/2006/diagram" xmlns:dsp="http://schemas.microsoft.com/office/drawing/2008/diagram">
       <p:transition/>
     </mc:Fallback>
   </mc:AlternateContent>
@@ -7665,7 +7665,7 @@
     <mc:Choice Requires="p14">
       <p:transition/>
     </mc:Choice>
-    <mc:Fallback xmlns:dsp="http://schemas.microsoft.com/office/drawing/2008/diagram" xmlns:dgm="http://schemas.openxmlformats.org/drawingml/2006/diagram" xmlns:c="http://schemas.openxmlformats.org/drawingml/2006/chart" xmlns="">
+    <mc:Fallback xmlns="" xmlns:c="http://schemas.openxmlformats.org/drawingml/2006/chart" xmlns:dgm="http://schemas.openxmlformats.org/drawingml/2006/diagram" xmlns:dsp="http://schemas.microsoft.com/office/drawing/2008/diagram">
       <p:transition/>
     </mc:Fallback>
   </mc:AlternateContent>
@@ -8125,7 +8125,7 @@
     <mc:Choice Requires="p14">
       <p:transition/>
     </mc:Choice>
-    <mc:Fallback xmlns:dsp="http://schemas.microsoft.com/office/drawing/2008/diagram" xmlns:dgm="http://schemas.openxmlformats.org/drawingml/2006/diagram" xmlns:c="http://schemas.openxmlformats.org/drawingml/2006/chart" xmlns="">
+    <mc:Fallback xmlns="" xmlns:c="http://schemas.openxmlformats.org/drawingml/2006/chart" xmlns:dgm="http://schemas.openxmlformats.org/drawingml/2006/diagram" xmlns:dsp="http://schemas.microsoft.com/office/drawing/2008/diagram">
       <p:transition/>
     </mc:Fallback>
   </mc:AlternateContent>
@@ -8606,7 +8606,7 @@
     <mc:Choice Requires="p14">
       <p:transition/>
     </mc:Choice>
-    <mc:Fallback xmlns:dsp="http://schemas.microsoft.com/office/drawing/2008/diagram" xmlns:dgm="http://schemas.openxmlformats.org/drawingml/2006/diagram" xmlns:c="http://schemas.openxmlformats.org/drawingml/2006/chart" xmlns="">
+    <mc:Fallback xmlns="" xmlns:c="http://schemas.openxmlformats.org/drawingml/2006/chart" xmlns:dgm="http://schemas.openxmlformats.org/drawingml/2006/diagram" xmlns:dsp="http://schemas.microsoft.com/office/drawing/2008/diagram">
       <p:transition/>
     </mc:Fallback>
   </mc:AlternateContent>
@@ -9136,7 +9136,7 @@
     <mc:Choice Requires="p14">
       <p:transition/>
     </mc:Choice>
-    <mc:Fallback xmlns:dsp="http://schemas.microsoft.com/office/drawing/2008/diagram" xmlns:dgm="http://schemas.openxmlformats.org/drawingml/2006/diagram" xmlns:c="http://schemas.openxmlformats.org/drawingml/2006/chart" xmlns="">
+    <mc:Fallback xmlns="" xmlns:c="http://schemas.openxmlformats.org/drawingml/2006/chart" xmlns:dgm="http://schemas.openxmlformats.org/drawingml/2006/diagram" xmlns:dsp="http://schemas.microsoft.com/office/drawing/2008/diagram">
       <p:transition/>
     </mc:Fallback>
   </mc:AlternateContent>
@@ -9687,7 +9687,7 @@
     <mc:Choice Requires="p14">
       <p:transition/>
     </mc:Choice>
-    <mc:Fallback xmlns:dsp="http://schemas.microsoft.com/office/drawing/2008/diagram" xmlns:dgm="http://schemas.openxmlformats.org/drawingml/2006/diagram" xmlns:c="http://schemas.openxmlformats.org/drawingml/2006/chart" xmlns="">
+    <mc:Fallback xmlns="" xmlns:c="http://schemas.openxmlformats.org/drawingml/2006/chart" xmlns:dgm="http://schemas.openxmlformats.org/drawingml/2006/diagram" xmlns:dsp="http://schemas.microsoft.com/office/drawing/2008/diagram">
       <p:transition/>
     </mc:Fallback>
   </mc:AlternateContent>
@@ -10139,7 +10139,7 @@
     <mc:Choice Requires="p14">
       <p:transition/>
     </mc:Choice>
-    <mc:Fallback xmlns:dsp="http://schemas.microsoft.com/office/drawing/2008/diagram" xmlns:dgm="http://schemas.openxmlformats.org/drawingml/2006/diagram" xmlns:c="http://schemas.openxmlformats.org/drawingml/2006/chart" xmlns="">
+    <mc:Fallback xmlns="" xmlns:c="http://schemas.openxmlformats.org/drawingml/2006/chart" xmlns:dgm="http://schemas.openxmlformats.org/drawingml/2006/diagram" xmlns:dsp="http://schemas.microsoft.com/office/drawing/2008/diagram">
       <p:transition/>
     </mc:Fallback>
   </mc:AlternateContent>
@@ -10448,15 +10448,15 @@
             </a:r>
             <a:r>
               <a:rPr lang="en-US" altLang="ko-KR" dirty="0"/>
-              <a:t>3</a:t>
+              <a:t>2-1</a:t>
             </a:r>
             <a:r>
               <a:rPr lang="ko-KR" altLang="en-US" dirty="0"/>
               <a:t>번의 </a:t>
             </a:r>
             <a:r>
-              <a:rPr lang="en-US" altLang="ko-KR" dirty="0" err="1"/>
-              <a:t>find_max</a:t>
+              <a:rPr lang="en-US" altLang="ko-KR" dirty="0"/>
+              <a:t>sum</a:t>
             </a:r>
             <a:r>
               <a:rPr lang="ko-KR" altLang="en-US" dirty="0"/>
@@ -10531,11 +10531,7 @@
             </a:pPr>
             <a:r>
               <a:rPr lang="ko-KR" altLang="en-US" dirty="0"/>
-              <a:t>     도록 수정하는 두가지 </a:t>
-            </a:r>
-            <a:r>
-              <a:rPr lang="ko-KR" altLang="en-US"/>
-              <a:t>방법을 생각해보자</a:t>
+              <a:t>     도록 수정하는 두가지 방법을 생각해보자</a:t>
             </a:r>
             <a:endParaRPr lang="en-US" altLang="ko-KR" dirty="0"/>
           </a:p>
@@ -10681,10 +10677,10 @@
       </p:sp>
       <p:pic>
         <p:nvPicPr>
-          <p:cNvPr id="3" name="그림 2">
+          <p:cNvPr id="2" name="그림 1">
             <a:extLst>
               <a:ext uri="{FF2B5EF4-FFF2-40B4-BE49-F238E27FC236}">
-                <a16:creationId xmlns:a16="http://schemas.microsoft.com/office/drawing/2014/main" id="{9311E5C3-BAC8-4EE2-BC98-FF1DC49F88DB}"/>
+                <a16:creationId xmlns:a16="http://schemas.microsoft.com/office/drawing/2014/main" id="{B3BE1EA3-3F7C-4026-AC79-D218B53656E5}"/>
               </a:ext>
             </a:extLst>
           </p:cNvPr>
@@ -10701,8 +10697,8 @@
         </p:blipFill>
         <p:spPr>
           <a:xfrm>
-            <a:off x="1691680" y="1376772"/>
-            <a:ext cx="3888432" cy="1011201"/>
+            <a:off x="1727684" y="1340768"/>
+            <a:ext cx="4341995" cy="1044116"/>
           </a:xfrm>
           <a:prstGeom prst="rect">
             <a:avLst/>
@@ -10723,7 +10719,7 @@
     <mc:Choice Requires="p14">
       <p:transition/>
     </mc:Choice>
-    <mc:Fallback xmlns:dsp="http://schemas.microsoft.com/office/drawing/2008/diagram" xmlns:dgm="http://schemas.openxmlformats.org/drawingml/2006/diagram" xmlns:c="http://schemas.openxmlformats.org/drawingml/2006/chart" xmlns="">
+    <mc:Fallback xmlns="" xmlns:c="http://schemas.openxmlformats.org/drawingml/2006/chart" xmlns:dgm="http://schemas.openxmlformats.org/drawingml/2006/diagram" xmlns:dsp="http://schemas.microsoft.com/office/drawing/2008/diagram">
       <p:transition/>
     </mc:Fallback>
   </mc:AlternateContent>
@@ -11177,6 +11173,48 @@
             <a:pPr>
               <a:defRPr/>
             </a:pPr>
+            <a:r>
+              <a:rPr lang="ko-KR" altLang="en-US" dirty="0"/>
+              <a:t>기한 </a:t>
+            </a:r>
+            <a:r>
+              <a:rPr lang="en-US" altLang="ko-KR" dirty="0"/>
+              <a:t>: 4</a:t>
+            </a:r>
+            <a:r>
+              <a:rPr lang="ko-KR" altLang="en-US" dirty="0"/>
+              <a:t>월 </a:t>
+            </a:r>
+            <a:r>
+              <a:rPr lang="en-US" altLang="ko-KR" dirty="0"/>
+              <a:t>18</a:t>
+            </a:r>
+            <a:r>
+              <a:rPr lang="ko-KR" altLang="en-US" dirty="0"/>
+              <a:t>일 </a:t>
+            </a:r>
+            <a:r>
+              <a:rPr lang="en-US" altLang="ko-KR" dirty="0"/>
+              <a:t>(</a:t>
+            </a:r>
+            <a:r>
+              <a:rPr lang="ko-KR" altLang="en-US" dirty="0"/>
+              <a:t>목</a:t>
+            </a:r>
+            <a:r>
+              <a:rPr lang="en-US" altLang="ko-KR" dirty="0"/>
+              <a:t>) </a:t>
+            </a:r>
+            <a:r>
+              <a:rPr lang="ko-KR" altLang="en-US" dirty="0"/>
+              <a:t>수업전까지 제출하기</a:t>
+            </a:r>
+            <a:endParaRPr lang="en-US" altLang="ko-KR" dirty="0"/>
+          </a:p>
+          <a:p>
+            <a:pPr>
+              <a:defRPr/>
+            </a:pPr>
             <a:endParaRPr lang="ko-KR" altLang="en-US" dirty="0"/>
           </a:p>
           <a:p>
@@ -11207,7 +11245,7 @@
     <mc:Choice Requires="p14">
       <p:transition/>
     </mc:Choice>
-    <mc:Fallback xmlns:dsp="http://schemas.microsoft.com/office/drawing/2008/diagram" xmlns:dgm="http://schemas.openxmlformats.org/drawingml/2006/diagram" xmlns:c="http://schemas.openxmlformats.org/drawingml/2006/chart" xmlns="">
+    <mc:Fallback xmlns="" xmlns:c="http://schemas.openxmlformats.org/drawingml/2006/chart" xmlns:dgm="http://schemas.openxmlformats.org/drawingml/2006/diagram" xmlns:dsp="http://schemas.microsoft.com/office/drawing/2008/diagram">
       <p:transition/>
     </mc:Fallback>
   </mc:AlternateContent>
